--- a/受控文档/00-PPT/PRD2018-G11-UML概述V1.1.pptx
+++ b/受控文档/00-PPT/PRD2018-G11-UML概述V1.1.pptx
@@ -293,7 +293,7 @@
           <a:p>
             <a:fld id="{5D1C15E6-6BD2-4E4B-B1D4-218C26E1B228}" type="datetimeFigureOut">
               <a:rPr lang="zh-CN" altLang="en-US" smtClean="0"/>
-              <a:t>2018/10/21</a:t>
+              <a:t>2018/10/23</a:t>
             </a:fld>
             <a:endParaRPr lang="zh-CN" altLang="en-US"/>
           </a:p>
@@ -453,7 +453,7 @@
           <a:p>
             <a:fld id="{0B17430C-5A66-4BD0-A971-34190B6C6019}" type="datetimeFigureOut">
               <a:rPr lang="zh-CN" altLang="en-US" smtClean="0"/>
-              <a:t>2018/10/21</a:t>
+              <a:t>2018/10/23</a:t>
             </a:fld>
             <a:endParaRPr lang="zh-CN" altLang="en-US"/>
           </a:p>
@@ -2496,7 +2496,7 @@
           <a:p>
             <a:fld id="{530820CF-B880-4189-942D-D702A7CBA730}" type="datetimeFigureOut">
               <a:rPr lang="zh-CN" altLang="en-US" smtClean="0"/>
-              <a:t>2018/10/21</a:t>
+              <a:t>2018/10/23</a:t>
             </a:fld>
             <a:endParaRPr lang="zh-CN" altLang="en-US"/>
           </a:p>
@@ -2613,7 +2613,7 @@
           <a:p>
             <a:fld id="{530820CF-B880-4189-942D-D702A7CBA730}" type="datetimeFigureOut">
               <a:rPr lang="zh-CN" altLang="en-US" smtClean="0"/>
-              <a:t>2018/10/21</a:t>
+              <a:t>2018/10/23</a:t>
             </a:fld>
             <a:endParaRPr lang="zh-CN" altLang="en-US"/>
           </a:p>
@@ -28003,14 +28003,14 @@
       </p:sp>
       <p:sp>
         <p:nvSpPr>
-          <p:cNvPr id="9" name="TextBox 8"/>
+          <p:cNvPr id="8" name="TextBox 6"/>
           <p:cNvSpPr txBox="1"/>
           <p:nvPr/>
         </p:nvSpPr>
         <p:spPr>
           <a:xfrm>
-            <a:off x="1702718" y="1770943"/>
-            <a:ext cx="7848872" cy="2839239"/>
+            <a:off x="1558702" y="2018585"/>
+            <a:ext cx="7272808" cy="415498"/>
           </a:xfrm>
           <a:prstGeom prst="rect">
             <a:avLst/>
@@ -28023,90 +28023,32 @@
           </a:bodyPr>
           <a:lstStyle/>
           <a:p>
-            <a:pPr marL="457200" indent="-457200">
-              <a:lnSpc>
-                <a:spcPct val="150000"/>
-              </a:lnSpc>
-              <a:buFont typeface="Arial" panose="020B0604020202020204" pitchFamily="34" charset="0"/>
-              <a:buChar char="•"/>
-            </a:pPr>
-            <a:r>
-              <a:rPr lang="zh-CN" altLang="en-US" dirty="0" smtClean="0"/>
-              <a:t>需求分析</a:t>
-            </a:r>
-            <a:endParaRPr lang="en-US" altLang="zh-CN" dirty="0" smtClean="0"/>
-          </a:p>
-          <a:p>
-            <a:pPr marL="457200" indent="-457200">
-              <a:lnSpc>
-                <a:spcPct val="150000"/>
-              </a:lnSpc>
-              <a:buFont typeface="Arial" panose="020B0604020202020204" pitchFamily="34" charset="0"/>
-              <a:buChar char="•"/>
-            </a:pPr>
-            <a:r>
-              <a:rPr lang="zh-CN" altLang="en-US" dirty="0" smtClean="0"/>
-              <a:t>系统分析</a:t>
-            </a:r>
-            <a:endParaRPr lang="en-US" altLang="zh-CN" dirty="0" smtClean="0"/>
-          </a:p>
-          <a:p>
-            <a:pPr marL="457200" indent="-457200">
-              <a:lnSpc>
-                <a:spcPct val="150000"/>
-              </a:lnSpc>
-              <a:buFont typeface="Arial" panose="020B0604020202020204" pitchFamily="34" charset="0"/>
-              <a:buChar char="•"/>
-            </a:pPr>
-            <a:r>
-              <a:rPr lang="zh-CN" altLang="en-US" dirty="0" smtClean="0"/>
-              <a:t>系统设计</a:t>
-            </a:r>
-            <a:endParaRPr lang="en-US" altLang="zh-CN" dirty="0" smtClean="0"/>
-          </a:p>
-          <a:p>
-            <a:pPr marL="457200" indent="-457200">
-              <a:lnSpc>
-                <a:spcPct val="150000"/>
-              </a:lnSpc>
-              <a:buFont typeface="Arial" panose="020B0604020202020204" pitchFamily="34" charset="0"/>
-              <a:buChar char="•"/>
-            </a:pPr>
-            <a:r>
-              <a:rPr lang="zh-CN" altLang="en-US" dirty="0" smtClean="0"/>
-              <a:t>程序实现</a:t>
-            </a:r>
-            <a:endParaRPr lang="en-US" altLang="zh-CN" dirty="0" smtClean="0"/>
-          </a:p>
-          <a:p>
-            <a:pPr marL="457200" indent="-457200">
-              <a:lnSpc>
-                <a:spcPct val="150000"/>
-              </a:lnSpc>
-              <a:buFont typeface="Arial" panose="020B0604020202020204" pitchFamily="34" charset="0"/>
-              <a:buChar char="•"/>
-            </a:pPr>
-            <a:r>
-              <a:rPr lang="zh-CN" altLang="en-US" dirty="0" smtClean="0"/>
-              <a:t>测试阶段</a:t>
-            </a:r>
-            <a:endParaRPr lang="en-US" altLang="zh-CN" dirty="0" smtClean="0"/>
-          </a:p>
-          <a:p>
-            <a:endParaRPr lang="zh-CN" altLang="en-US" dirty="0"/>
+            <a:r>
+              <a:rPr lang="en-US" altLang="zh-CN" b="1" dirty="0" smtClean="0"/>
+              <a:t>2. UML</a:t>
+            </a:r>
+            <a:r>
+              <a:rPr lang="zh-CN" altLang="en-US" b="1" dirty="0" smtClean="0"/>
+              <a:t>的图有哪些？请简要</a:t>
+            </a:r>
+            <a:r>
+              <a:rPr lang="zh-CN" altLang="en-US" b="1" dirty="0" smtClean="0"/>
+              <a:t>阐述</a:t>
+            </a:r>
+            <a:endParaRPr lang="en-US" altLang="zh-CN" b="1" dirty="0" smtClean="0"/>
           </a:p>
         </p:txBody>
       </p:sp>
       <p:sp>
         <p:nvSpPr>
-          <p:cNvPr id="8" name="TextBox 6"/>
+          <p:cNvPr id="10" name="TextBox 6"/>
           <p:cNvSpPr txBox="1"/>
           <p:nvPr/>
         </p:nvSpPr>
         <p:spPr>
           <a:xfrm>
-            <a:off x="1558702" y="4742239"/>
-            <a:ext cx="7272808" cy="738664"/>
+            <a:off x="1557273" y="2773460"/>
+            <a:ext cx="7272808" cy="415498"/>
           </a:xfrm>
           <a:prstGeom prst="rect">
             <a:avLst/>
@@ -28120,17 +28062,100 @@
           <a:lstStyle/>
           <a:p>
             <a:r>
+              <a:rPr lang="en-US" altLang="zh-CN" b="1" dirty="0"/>
+              <a:t>3</a:t>
+            </a:r>
+            <a:r>
               <a:rPr lang="en-US" altLang="zh-CN" b="1" dirty="0" smtClean="0"/>
-              <a:t>2. UML</a:t>
+              <a:t>. </a:t>
+            </a:r>
+            <a:r>
+              <a:rPr lang="en-US" altLang="zh-CN" b="1" dirty="0" smtClean="0"/>
+              <a:t>UML</a:t>
             </a:r>
             <a:r>
               <a:rPr lang="zh-CN" altLang="en-US" b="1" dirty="0" smtClean="0"/>
-              <a:t>的图有哪些？请简要阐述</a:t>
+              <a:t>的关系有</a:t>
+            </a:r>
+            <a:r>
+              <a:rPr lang="zh-CN" altLang="en-US" b="1" dirty="0" smtClean="0"/>
+              <a:t>哪些？请简要</a:t>
+            </a:r>
+            <a:r>
+              <a:rPr lang="zh-CN" altLang="en-US" b="1" dirty="0" smtClean="0"/>
+              <a:t>阐述</a:t>
             </a:r>
             <a:endParaRPr lang="en-US" altLang="zh-CN" b="1" dirty="0" smtClean="0"/>
           </a:p>
-          <a:p>
-            <a:endParaRPr lang="zh-CN" altLang="en-US" dirty="0"/>
+        </p:txBody>
+      </p:sp>
+      <p:sp>
+        <p:nvSpPr>
+          <p:cNvPr id="11" name="TextBox 6"/>
+          <p:cNvSpPr txBox="1"/>
+          <p:nvPr/>
+        </p:nvSpPr>
+        <p:spPr>
+          <a:xfrm>
+            <a:off x="1557273" y="3583793"/>
+            <a:ext cx="7272808" cy="415498"/>
+          </a:xfrm>
+          <a:prstGeom prst="rect">
+            <a:avLst/>
+          </a:prstGeom>
+          <a:noFill/>
+        </p:spPr>
+        <p:txBody>
+          <a:bodyPr wrap="square" rtlCol="0">
+            <a:spAutoFit/>
+          </a:bodyPr>
+          <a:lstStyle/>
+          <a:p>
+            <a:r>
+              <a:rPr lang="en-US" altLang="zh-CN" b="1" dirty="0"/>
+              <a:t>4</a:t>
+            </a:r>
+            <a:r>
+              <a:rPr lang="en-US" altLang="zh-CN" b="1" dirty="0" smtClean="0"/>
+              <a:t>.</a:t>
+            </a:r>
+            <a:r>
+              <a:rPr lang="zh-CN" altLang="en-US" b="1" dirty="0" smtClean="0"/>
+              <a:t>什么是用例驱动</a:t>
+            </a:r>
+            <a:r>
+              <a:rPr lang="zh-CN" altLang="en-US" b="1" dirty="0"/>
+              <a:t>模型</a:t>
+            </a:r>
+            <a:endParaRPr lang="en-US" altLang="zh-CN" b="1" dirty="0" smtClean="0"/>
+          </a:p>
+        </p:txBody>
+      </p:sp>
+      <p:sp>
+        <p:nvSpPr>
+          <p:cNvPr id="5" name="矩形 4"/>
+          <p:cNvSpPr/>
+          <p:nvPr/>
+        </p:nvSpPr>
+        <p:spPr>
+          <a:xfrm>
+            <a:off x="1774726" y="4015220"/>
+            <a:ext cx="6092825" cy="1708160"/>
+          </a:xfrm>
+          <a:prstGeom prst="rect">
+            <a:avLst/>
+          </a:prstGeom>
+        </p:spPr>
+        <p:txBody>
+          <a:bodyPr>
+            <a:spAutoFit/>
+          </a:bodyPr>
+          <a:lstStyle/>
+          <a:p>
+            <a:r>
+              <a:rPr lang="zh-CN" altLang="en-US" dirty="0"/>
+              <a:t>在一个用例驱动模型中，用例贯穿整个软件开发生命周期。使用用例来建立需求模型，然后使用需求分析阶段中使用的用例创建类图。还可以在软件开发生命周期的测试阶段使用用例生成测试用例，最后使用用例进行需求跟踪。</a:t>
+            </a:r>
           </a:p>
         </p:txBody>
       </p:sp>
@@ -28181,7 +28206,7 @@
                                           </p:stCondLst>
                                         </p:cTn>
                                         <p:tgtEl>
-                                          <p:spTgt spid="9"/>
+                                          <p:spTgt spid="5"/>
                                         </p:tgtEl>
                                         <p:attrNameLst>
                                           <p:attrName>style.visibility</p:attrName>
@@ -28195,7 +28220,7 @@
                                       <p:cBhvr>
                                         <p:cTn id="7" dur="500"/>
                                         <p:tgtEl>
-                                          <p:spTgt spid="9"/>
+                                          <p:spTgt spid="5"/>
                                         </p:tgtEl>
                                       </p:cBhvr>
                                     </p:animEffect>
@@ -28230,7 +28255,7 @@
       </p:par>
     </p:tnLst>
     <p:bldLst>
-      <p:bldP spid="9" grpId="0"/>
+      <p:bldP spid="5" grpId="0"/>
     </p:bldLst>
   </p:timing>
 </p:sld>
@@ -29381,11 +29406,6 @@
                         </a:rPr>
                         <a:t>9.3</a:t>
                       </a:r>
-                      <a:endParaRPr lang="en-US" altLang="zh-CN" dirty="0" smtClean="0">
-                        <a:solidFill>
-                          <a:schemeClr val="tx1"/>
-                        </a:solidFill>
-                      </a:endParaRPr>
                     </a:p>
                   </a:txBody>
                   <a:tcPr/>
@@ -29480,11 +29500,6 @@
                         </a:rPr>
                         <a:t>9.6</a:t>
                       </a:r>
-                      <a:endParaRPr lang="en-US" altLang="zh-CN" dirty="0" smtClean="0">
-                        <a:solidFill>
-                          <a:schemeClr val="tx1"/>
-                        </a:solidFill>
-                      </a:endParaRPr>
                     </a:p>
                   </a:txBody>
                   <a:tcPr>

--- a/受控文档/00-PPT/PRD2018-G11-UML概述V1.1.pptx
+++ b/受控文档/00-PPT/PRD2018-G11-UML概述V1.1.pptx
@@ -293,7 +293,7 @@
           <a:p>
             <a:fld id="{5D1C15E6-6BD2-4E4B-B1D4-218C26E1B228}" type="datetimeFigureOut">
               <a:rPr lang="zh-CN" altLang="en-US" smtClean="0"/>
-              <a:t>2018/10/23</a:t>
+              <a:t>2018/10/28</a:t>
             </a:fld>
             <a:endParaRPr lang="zh-CN" altLang="en-US"/>
           </a:p>
@@ -453,7 +453,7 @@
           <a:p>
             <a:fld id="{0B17430C-5A66-4BD0-A971-34190B6C6019}" type="datetimeFigureOut">
               <a:rPr lang="zh-CN" altLang="en-US" smtClean="0"/>
-              <a:t>2018/10/23</a:t>
+              <a:t>2018/10/28</a:t>
             </a:fld>
             <a:endParaRPr lang="zh-CN" altLang="en-US"/>
           </a:p>
@@ -2496,7 +2496,7 @@
           <a:p>
             <a:fld id="{530820CF-B880-4189-942D-D702A7CBA730}" type="datetimeFigureOut">
               <a:rPr lang="zh-CN" altLang="en-US" smtClean="0"/>
-              <a:t>2018/10/23</a:t>
+              <a:t>2018/10/28</a:t>
             </a:fld>
             <a:endParaRPr lang="zh-CN" altLang="en-US"/>
           </a:p>
@@ -2613,7 +2613,7 @@
           <a:p>
             <a:fld id="{530820CF-B880-4189-942D-D702A7CBA730}" type="datetimeFigureOut">
               <a:rPr lang="zh-CN" altLang="en-US" smtClean="0"/>
-              <a:t>2018/10/23</a:t>
+              <a:t>2018/10/28</a:t>
             </a:fld>
             <a:endParaRPr lang="zh-CN" altLang="en-US"/>
           </a:p>
@@ -25427,7 +25427,7 @@
       </p:sp>
       <p:pic>
         <p:nvPicPr>
-          <p:cNvPr id="9" name="图片 8"/>
+          <p:cNvPr id="5" name="图片 4"/>
           <p:cNvPicPr>
             <a:picLocks noChangeAspect="1"/>
           </p:cNvPicPr>
@@ -25441,8 +25441,8 @@
         </p:blipFill>
         <p:spPr>
           <a:xfrm>
-            <a:off x="5087094" y="1210858"/>
-            <a:ext cx="6122406" cy="4017441"/>
+            <a:off x="3790950" y="1269554"/>
+            <a:ext cx="8399463" cy="4436913"/>
           </a:xfrm>
           <a:prstGeom prst="rect">
             <a:avLst/>
@@ -28029,11 +28029,7 @@
             </a:r>
             <a:r>
               <a:rPr lang="zh-CN" altLang="en-US" b="1" dirty="0" smtClean="0"/>
-              <a:t>的图有哪些？请简要</a:t>
-            </a:r>
-            <a:r>
-              <a:rPr lang="zh-CN" altLang="en-US" b="1" dirty="0" smtClean="0"/>
-              <a:t>阐述</a:t>
+              <a:t>的图有哪些？请简要阐述</a:t>
             </a:r>
             <a:endParaRPr lang="en-US" altLang="zh-CN" b="1" dirty="0" smtClean="0"/>
           </a:p>
@@ -28067,23 +28063,11 @@
             </a:r>
             <a:r>
               <a:rPr lang="en-US" altLang="zh-CN" b="1" dirty="0" smtClean="0"/>
-              <a:t>. </a:t>
-            </a:r>
-            <a:r>
-              <a:rPr lang="en-US" altLang="zh-CN" b="1" dirty="0" smtClean="0"/>
-              <a:t>UML</a:t>
+              <a:t>. UML</a:t>
             </a:r>
             <a:r>
               <a:rPr lang="zh-CN" altLang="en-US" b="1" dirty="0" smtClean="0"/>
-              <a:t>的关系有</a:t>
-            </a:r>
-            <a:r>
-              <a:rPr lang="zh-CN" altLang="en-US" b="1" dirty="0" smtClean="0"/>
-              <a:t>哪些？请简要</a:t>
-            </a:r>
-            <a:r>
-              <a:rPr lang="zh-CN" altLang="en-US" b="1" dirty="0" smtClean="0"/>
-              <a:t>阐述</a:t>
+              <a:t>的关系有哪些？请简要阐述</a:t>
             </a:r>
             <a:endParaRPr lang="en-US" altLang="zh-CN" b="1" dirty="0" smtClean="0"/>
           </a:p>
